--- a/Presentations/FeedbackSession.pptx
+++ b/Presentations/FeedbackSession.pptx
@@ -9,6 +9,10 @@
     <p:sldId id="257" r:id="rId3"/>
     <p:sldId id="258" r:id="rId4"/>
     <p:sldId id="259" r:id="rId5"/>
+    <p:sldId id="260" r:id="rId6"/>
+    <p:sldId id="261" r:id="rId7"/>
+    <p:sldId id="262" r:id="rId8"/>
+    <p:sldId id="263" r:id="rId9"/>
   </p:sldIdLst>
   <p:sldSz cx="12192000" cy="6858000"/>
   <p:notesSz cx="6858000" cy="9144000"/>
@@ -107,6 +111,11 @@
       </a:defRPr>
     </a:lvl9pPr>
   </p:defaultTextStyle>
+  <p:extLst>
+    <p:ext uri="{EFAFB233-063F-42B5-8137-9DF3F51BA10A}">
+      <p15:sldGuideLst xmlns:p15="http://schemas.microsoft.com/office/powerpoint/2012/main"/>
+    </p:ext>
+  </p:extLst>
 </p:presentation>
 </file>
 
@@ -5027,6 +5036,412 @@
 </p:sld>
 </file>
 
+<file path=ppt/slides/slide5.xml><?xml version="1.0" encoding="utf-8"?>
+<p:sld xmlns:a="http://schemas.openxmlformats.org/drawingml/2006/main" xmlns:r="http://schemas.openxmlformats.org/officeDocument/2006/relationships" xmlns:p="http://schemas.openxmlformats.org/presentationml/2006/main">
+  <p:cSld>
+    <p:spTree>
+      <p:nvGrpSpPr>
+        <p:cNvPr id="1" name=""/>
+        <p:cNvGrpSpPr/>
+        <p:nvPr/>
+      </p:nvGrpSpPr>
+      <p:grpSpPr>
+        <a:xfrm>
+          <a:off x="0" y="0"/>
+          <a:ext cx="0" cy="0"/>
+          <a:chOff x="0" y="0"/>
+          <a:chExt cx="0" cy="0"/>
+        </a:xfrm>
+      </p:grpSpPr>
+      <p:sp>
+        <p:nvSpPr>
+          <p:cNvPr id="2" name="Başlık 1">
+            <a:extLst>
+              <a:ext uri="{FF2B5EF4-FFF2-40B4-BE49-F238E27FC236}">
+                <a16:creationId xmlns:a16="http://schemas.microsoft.com/office/drawing/2014/main" id="{B292E981-9A69-47BE-879A-288CC146B84B}"/>
+              </a:ext>
+            </a:extLst>
+          </p:cNvPr>
+          <p:cNvSpPr>
+            <a:spLocks noGrp="1"/>
+          </p:cNvSpPr>
+          <p:nvPr>
+            <p:ph type="title"/>
+          </p:nvPr>
+        </p:nvSpPr>
+        <p:spPr/>
+        <p:txBody>
+          <a:bodyPr/>
+          <a:lstStyle/>
+          <a:p>
+            <a:r>
+              <a:rPr lang="en-US" dirty="0"/>
+              <a:t>Simulations</a:t>
+            </a:r>
+          </a:p>
+        </p:txBody>
+      </p:sp>
+      <p:sp>
+        <p:nvSpPr>
+          <p:cNvPr id="15" name="İçerik Yer Tutucusu 14">
+            <a:extLst>
+              <a:ext uri="{FF2B5EF4-FFF2-40B4-BE49-F238E27FC236}">
+                <a16:creationId xmlns:a16="http://schemas.microsoft.com/office/drawing/2014/main" id="{F93A48B3-D7D3-49B6-A7C9-F569D7AFA708}"/>
+              </a:ext>
+            </a:extLst>
+          </p:cNvPr>
+          <p:cNvSpPr>
+            <a:spLocks noGrp="1"/>
+          </p:cNvSpPr>
+          <p:nvPr>
+            <p:ph idx="1"/>
+          </p:nvPr>
+        </p:nvSpPr>
+        <p:spPr/>
+        <p:txBody>
+          <a:bodyPr/>
+          <a:lstStyle/>
+          <a:p>
+            <a:endParaRPr lang="en-US" dirty="0"/>
+          </a:p>
+        </p:txBody>
+      </p:sp>
+      <p:pic>
+        <p:nvPicPr>
+          <p:cNvPr id="17" name="Resim 16">
+            <a:extLst>
+              <a:ext uri="{FF2B5EF4-FFF2-40B4-BE49-F238E27FC236}">
+                <a16:creationId xmlns:a16="http://schemas.microsoft.com/office/drawing/2014/main" id="{C404DCEF-DED9-4068-879B-BEB205AB25E8}"/>
+              </a:ext>
+            </a:extLst>
+          </p:cNvPr>
+          <p:cNvPicPr>
+            <a:picLocks noChangeAspect="1"/>
+          </p:cNvPicPr>
+          <p:nvPr/>
+        </p:nvPicPr>
+        <p:blipFill>
+          <a:blip r:embed="rId2"/>
+          <a:stretch>
+            <a:fillRect/>
+          </a:stretch>
+        </p:blipFill>
+        <p:spPr>
+          <a:xfrm>
+            <a:off x="773468" y="1998617"/>
+            <a:ext cx="10458450" cy="4162425"/>
+          </a:xfrm>
+          <a:prstGeom prst="rect">
+            <a:avLst/>
+          </a:prstGeom>
+        </p:spPr>
+      </p:pic>
+    </p:spTree>
+    <p:extLst>
+      <p:ext uri="{BB962C8B-B14F-4D97-AF65-F5344CB8AC3E}">
+        <p14:creationId xmlns:p14="http://schemas.microsoft.com/office/powerpoint/2010/main" val="4271087353"/>
+      </p:ext>
+    </p:extLst>
+  </p:cSld>
+  <p:clrMapOvr>
+    <a:masterClrMapping/>
+  </p:clrMapOvr>
+</p:sld>
+</file>
+
+<file path=ppt/slides/slide6.xml><?xml version="1.0" encoding="utf-8"?>
+<p:sld xmlns:a="http://schemas.openxmlformats.org/drawingml/2006/main" xmlns:r="http://schemas.openxmlformats.org/officeDocument/2006/relationships" xmlns:p="http://schemas.openxmlformats.org/presentationml/2006/main">
+  <p:cSld>
+    <p:spTree>
+      <p:nvGrpSpPr>
+        <p:cNvPr id="1" name=""/>
+        <p:cNvGrpSpPr/>
+        <p:nvPr/>
+      </p:nvGrpSpPr>
+      <p:grpSpPr>
+        <a:xfrm>
+          <a:off x="0" y="0"/>
+          <a:ext cx="0" cy="0"/>
+          <a:chOff x="0" y="0"/>
+          <a:chExt cx="0" cy="0"/>
+        </a:xfrm>
+      </p:grpSpPr>
+      <p:sp>
+        <p:nvSpPr>
+          <p:cNvPr id="2" name="Başlık 1">
+            <a:extLst>
+              <a:ext uri="{FF2B5EF4-FFF2-40B4-BE49-F238E27FC236}">
+                <a16:creationId xmlns:a16="http://schemas.microsoft.com/office/drawing/2014/main" id="{0EA1354F-1250-4EE4-A832-11DB708BBCAB}"/>
+              </a:ext>
+            </a:extLst>
+          </p:cNvPr>
+          <p:cNvSpPr>
+            <a:spLocks noGrp="1"/>
+          </p:cNvSpPr>
+          <p:nvPr>
+            <p:ph type="title"/>
+          </p:nvPr>
+        </p:nvSpPr>
+        <p:spPr/>
+        <p:txBody>
+          <a:bodyPr/>
+          <a:lstStyle/>
+          <a:p>
+            <a:r>
+              <a:rPr lang="en-US" dirty="0"/>
+              <a:t>Simulations</a:t>
+            </a:r>
+          </a:p>
+        </p:txBody>
+      </p:sp>
+      <p:pic>
+        <p:nvPicPr>
+          <p:cNvPr id="5" name="İçerik Yer Tutucusu 4">
+            <a:extLst>
+              <a:ext uri="{FF2B5EF4-FFF2-40B4-BE49-F238E27FC236}">
+                <a16:creationId xmlns:a16="http://schemas.microsoft.com/office/drawing/2014/main" id="{2EF4CF57-2BF6-4E67-BCE0-E5C4D604A5B6}"/>
+              </a:ext>
+            </a:extLst>
+          </p:cNvPr>
+          <p:cNvPicPr>
+            <a:picLocks noGrp="1" noChangeAspect="1"/>
+          </p:cNvPicPr>
+          <p:nvPr>
+            <p:ph idx="1"/>
+          </p:nvPr>
+        </p:nvPicPr>
+        <p:blipFill>
+          <a:blip r:embed="rId2"/>
+          <a:stretch>
+            <a:fillRect/>
+          </a:stretch>
+        </p:blipFill>
+        <p:spPr>
+          <a:xfrm>
+            <a:off x="555162" y="2068289"/>
+            <a:ext cx="5721298" cy="2869588"/>
+          </a:xfrm>
+        </p:spPr>
+      </p:pic>
+      <p:pic>
+        <p:nvPicPr>
+          <p:cNvPr id="7" name="Resim 6">
+            <a:extLst>
+              <a:ext uri="{FF2B5EF4-FFF2-40B4-BE49-F238E27FC236}">
+                <a16:creationId xmlns:a16="http://schemas.microsoft.com/office/drawing/2014/main" id="{9F9A7E09-B47C-46DF-8DEB-F34BF58BA0AD}"/>
+              </a:ext>
+            </a:extLst>
+          </p:cNvPr>
+          <p:cNvPicPr>
+            <a:picLocks noChangeAspect="1"/>
+          </p:cNvPicPr>
+          <p:nvPr/>
+        </p:nvPicPr>
+        <p:blipFill>
+          <a:blip r:embed="rId3"/>
+          <a:stretch>
+            <a:fillRect/>
+          </a:stretch>
+        </p:blipFill>
+        <p:spPr>
+          <a:xfrm>
+            <a:off x="5766318" y="1993443"/>
+            <a:ext cx="5724336" cy="2871114"/>
+          </a:xfrm>
+          <a:prstGeom prst="rect">
+            <a:avLst/>
+          </a:prstGeom>
+        </p:spPr>
+      </p:pic>
+    </p:spTree>
+    <p:extLst>
+      <p:ext uri="{BB962C8B-B14F-4D97-AF65-F5344CB8AC3E}">
+        <p14:creationId xmlns:p14="http://schemas.microsoft.com/office/powerpoint/2010/main" val="2797627553"/>
+      </p:ext>
+    </p:extLst>
+  </p:cSld>
+  <p:clrMapOvr>
+    <a:masterClrMapping/>
+  </p:clrMapOvr>
+</p:sld>
+</file>
+
+<file path=ppt/slides/slide7.xml><?xml version="1.0" encoding="utf-8"?>
+<p:sld xmlns:a="http://schemas.openxmlformats.org/drawingml/2006/main" xmlns:r="http://schemas.openxmlformats.org/officeDocument/2006/relationships" xmlns:p="http://schemas.openxmlformats.org/presentationml/2006/main">
+  <p:cSld>
+    <p:spTree>
+      <p:nvGrpSpPr>
+        <p:cNvPr id="1" name=""/>
+        <p:cNvGrpSpPr/>
+        <p:nvPr/>
+      </p:nvGrpSpPr>
+      <p:grpSpPr>
+        <a:xfrm>
+          <a:off x="0" y="0"/>
+          <a:ext cx="0" cy="0"/>
+          <a:chOff x="0" y="0"/>
+          <a:chExt cx="0" cy="0"/>
+        </a:xfrm>
+      </p:grpSpPr>
+      <p:pic>
+        <p:nvPicPr>
+          <p:cNvPr id="7" name="Resim 6">
+            <a:extLst>
+              <a:ext uri="{FF2B5EF4-FFF2-40B4-BE49-F238E27FC236}">
+                <a16:creationId xmlns:a16="http://schemas.microsoft.com/office/drawing/2014/main" id="{6B7E24DA-D279-4EB2-A861-9C98B89F3652}"/>
+              </a:ext>
+            </a:extLst>
+          </p:cNvPr>
+          <p:cNvPicPr>
+            <a:picLocks noChangeAspect="1"/>
+          </p:cNvPicPr>
+          <p:nvPr/>
+        </p:nvPicPr>
+        <p:blipFill>
+          <a:blip r:embed="rId2"/>
+          <a:stretch>
+            <a:fillRect/>
+          </a:stretch>
+        </p:blipFill>
+        <p:spPr>
+          <a:xfrm>
+            <a:off x="963693" y="1449958"/>
+            <a:ext cx="9566986" cy="4798442"/>
+          </a:xfrm>
+          <a:prstGeom prst="rect">
+            <a:avLst/>
+          </a:prstGeom>
+        </p:spPr>
+      </p:pic>
+      <p:sp>
+        <p:nvSpPr>
+          <p:cNvPr id="2" name="Başlık 1">
+            <a:extLst>
+              <a:ext uri="{FF2B5EF4-FFF2-40B4-BE49-F238E27FC236}">
+                <a16:creationId xmlns:a16="http://schemas.microsoft.com/office/drawing/2014/main" id="{3CAE4220-2760-4D40-9314-829A45B5832E}"/>
+              </a:ext>
+            </a:extLst>
+          </p:cNvPr>
+          <p:cNvSpPr>
+            <a:spLocks noGrp="1"/>
+          </p:cNvSpPr>
+          <p:nvPr>
+            <p:ph type="title"/>
+          </p:nvPr>
+        </p:nvSpPr>
+        <p:spPr/>
+        <p:txBody>
+          <a:bodyPr/>
+          <a:lstStyle/>
+          <a:p>
+            <a:r>
+              <a:rPr lang="en-US" dirty="0"/>
+              <a:t>Simulations</a:t>
+            </a:r>
+          </a:p>
+        </p:txBody>
+      </p:sp>
+    </p:spTree>
+    <p:extLst>
+      <p:ext uri="{BB962C8B-B14F-4D97-AF65-F5344CB8AC3E}">
+        <p14:creationId xmlns:p14="http://schemas.microsoft.com/office/powerpoint/2010/main" val="2694652570"/>
+      </p:ext>
+    </p:extLst>
+  </p:cSld>
+  <p:clrMapOvr>
+    <a:masterClrMapping/>
+  </p:clrMapOvr>
+</p:sld>
+</file>
+
+<file path=ppt/slides/slide8.xml><?xml version="1.0" encoding="utf-8"?>
+<p:sld xmlns:a="http://schemas.openxmlformats.org/drawingml/2006/main" xmlns:r="http://schemas.openxmlformats.org/officeDocument/2006/relationships" xmlns:p="http://schemas.openxmlformats.org/presentationml/2006/main">
+  <p:cSld>
+    <p:spTree>
+      <p:nvGrpSpPr>
+        <p:cNvPr id="1" name=""/>
+        <p:cNvGrpSpPr/>
+        <p:nvPr/>
+      </p:nvGrpSpPr>
+      <p:grpSpPr>
+        <a:xfrm>
+          <a:off x="0" y="0"/>
+          <a:ext cx="0" cy="0"/>
+          <a:chOff x="0" y="0"/>
+          <a:chExt cx="0" cy="0"/>
+        </a:xfrm>
+      </p:grpSpPr>
+      <p:sp>
+        <p:nvSpPr>
+          <p:cNvPr id="2" name="Başlık 1">
+            <a:extLst>
+              <a:ext uri="{FF2B5EF4-FFF2-40B4-BE49-F238E27FC236}">
+                <a16:creationId xmlns:a16="http://schemas.microsoft.com/office/drawing/2014/main" id="{8093E264-B33D-43CB-9543-6CA3FA4FEAA3}"/>
+              </a:ext>
+            </a:extLst>
+          </p:cNvPr>
+          <p:cNvSpPr>
+            <a:spLocks noGrp="1"/>
+          </p:cNvSpPr>
+          <p:nvPr>
+            <p:ph type="title"/>
+          </p:nvPr>
+        </p:nvSpPr>
+        <p:spPr/>
+        <p:txBody>
+          <a:bodyPr/>
+          <a:lstStyle/>
+          <a:p>
+            <a:r>
+              <a:rPr lang="en-US" dirty="0"/>
+              <a:t>Simulations</a:t>
+            </a:r>
+          </a:p>
+        </p:txBody>
+      </p:sp>
+      <p:pic>
+        <p:nvPicPr>
+          <p:cNvPr id="5" name="Resim 4">
+            <a:extLst>
+              <a:ext uri="{FF2B5EF4-FFF2-40B4-BE49-F238E27FC236}">
+                <a16:creationId xmlns:a16="http://schemas.microsoft.com/office/drawing/2014/main" id="{E8D79A88-60EF-4557-B25F-24E5D6E63705}"/>
+              </a:ext>
+            </a:extLst>
+          </p:cNvPr>
+          <p:cNvPicPr>
+            <a:picLocks noChangeAspect="1"/>
+          </p:cNvPicPr>
+          <p:nvPr/>
+        </p:nvPicPr>
+        <p:blipFill>
+          <a:blip r:embed="rId2"/>
+          <a:stretch>
+            <a:fillRect/>
+          </a:stretch>
+        </p:blipFill>
+        <p:spPr>
+          <a:xfrm>
+            <a:off x="995265" y="1571565"/>
+            <a:ext cx="9622972" cy="4826522"/>
+          </a:xfrm>
+          <a:prstGeom prst="rect">
+            <a:avLst/>
+          </a:prstGeom>
+        </p:spPr>
+      </p:pic>
+    </p:spTree>
+    <p:extLst>
+      <p:ext uri="{BB962C8B-B14F-4D97-AF65-F5344CB8AC3E}">
+        <p14:creationId xmlns:p14="http://schemas.microsoft.com/office/powerpoint/2010/main" val="118129192"/>
+      </p:ext>
+    </p:extLst>
+  </p:cSld>
+  <p:clrMapOvr>
+    <a:masterClrMapping/>
+  </p:clrMapOvr>
+</p:sld>
+</file>
+
 <file path=ppt/theme/theme1.xml><?xml version="1.0" encoding="utf-8"?>
 <a:theme xmlns:a="http://schemas.openxmlformats.org/drawingml/2006/main" name="Temel">
   <a:themeElements>

--- a/Presentations/FeedbackSession.pptx
+++ b/Presentations/FeedbackSession.pptx
@@ -13,6 +13,9 @@
     <p:sldId id="261" r:id="rId7"/>
     <p:sldId id="262" r:id="rId8"/>
     <p:sldId id="263" r:id="rId9"/>
+    <p:sldId id="264" r:id="rId10"/>
+    <p:sldId id="266" r:id="rId11"/>
+    <p:sldId id="267" r:id="rId12"/>
   </p:sldIdLst>
   <p:sldSz cx="12192000" cy="6858000"/>
   <p:notesSz cx="6858000" cy="9144000"/>
@@ -3774,6 +3777,282 @@
 </p:sld>
 </file>
 
+<file path=ppt/slides/slide10.xml><?xml version="1.0" encoding="utf-8"?>
+<p:sld xmlns:a="http://schemas.openxmlformats.org/drawingml/2006/main" xmlns:r="http://schemas.openxmlformats.org/officeDocument/2006/relationships" xmlns:p="http://schemas.openxmlformats.org/presentationml/2006/main">
+  <p:cSld>
+    <p:spTree>
+      <p:nvGrpSpPr>
+        <p:cNvPr id="1" name=""/>
+        <p:cNvGrpSpPr/>
+        <p:nvPr/>
+      </p:nvGrpSpPr>
+      <p:grpSpPr>
+        <a:xfrm>
+          <a:off x="0" y="0"/>
+          <a:ext cx="0" cy="0"/>
+          <a:chOff x="0" y="0"/>
+          <a:chExt cx="0" cy="0"/>
+        </a:xfrm>
+      </p:grpSpPr>
+      <p:sp>
+        <p:nvSpPr>
+          <p:cNvPr id="2" name="Title 1">
+            <a:extLst>
+              <a:ext uri="{FF2B5EF4-FFF2-40B4-BE49-F238E27FC236}">
+                <a16:creationId xmlns:a16="http://schemas.microsoft.com/office/drawing/2014/main" id="{1E80137A-CAFB-4D69-92BD-00D8AD4C9BE5}"/>
+              </a:ext>
+            </a:extLst>
+          </p:cNvPr>
+          <p:cNvSpPr>
+            <a:spLocks noGrp="1"/>
+          </p:cNvSpPr>
+          <p:nvPr>
+            <p:ph type="title"/>
+          </p:nvPr>
+        </p:nvSpPr>
+        <p:spPr/>
+        <p:txBody>
+          <a:bodyPr/>
+          <a:lstStyle/>
+          <a:p>
+            <a:r>
+              <a:rPr lang="en-US" dirty="0"/>
+              <a:t>Thermal Calculations</a:t>
+            </a:r>
+          </a:p>
+        </p:txBody>
+      </p:sp>
+      <p:sp>
+        <p:nvSpPr>
+          <p:cNvPr id="6" name="TextBox 5">
+            <a:extLst>
+              <a:ext uri="{FF2B5EF4-FFF2-40B4-BE49-F238E27FC236}">
+                <a16:creationId xmlns:a16="http://schemas.microsoft.com/office/drawing/2014/main" id="{A298DB02-CD95-4233-A9DB-CDD57AA5011F}"/>
+              </a:ext>
+            </a:extLst>
+          </p:cNvPr>
+          <p:cNvSpPr txBox="1"/>
+          <p:nvPr/>
+        </p:nvSpPr>
+        <p:spPr>
+          <a:xfrm>
+            <a:off x="1268963" y="2360646"/>
+            <a:ext cx="2826415" cy="369332"/>
+          </a:xfrm>
+          <a:prstGeom prst="rect">
+            <a:avLst/>
+          </a:prstGeom>
+          <a:noFill/>
+        </p:spPr>
+        <p:txBody>
+          <a:bodyPr wrap="none" rtlCol="0">
+            <a:spAutoFit/>
+          </a:bodyPr>
+          <a:lstStyle/>
+          <a:p>
+            <a:r>
+              <a:rPr lang="en-US" dirty="0"/>
+              <a:t>For the free-wheeling diode</a:t>
+            </a:r>
+          </a:p>
+        </p:txBody>
+      </p:sp>
+      <p:pic>
+        <p:nvPicPr>
+          <p:cNvPr id="4" name="Picture 3">
+            <a:extLst>
+              <a:ext uri="{FF2B5EF4-FFF2-40B4-BE49-F238E27FC236}">
+                <a16:creationId xmlns:a16="http://schemas.microsoft.com/office/drawing/2014/main" id="{B4AFEC07-D225-4B32-9091-098B1056ADA7}"/>
+              </a:ext>
+            </a:extLst>
+          </p:cNvPr>
+          <p:cNvPicPr>
+            <a:picLocks noChangeAspect="1"/>
+          </p:cNvPicPr>
+          <p:nvPr/>
+        </p:nvPicPr>
+        <p:blipFill>
+          <a:blip r:embed="rId2"/>
+          <a:stretch>
+            <a:fillRect/>
+          </a:stretch>
+        </p:blipFill>
+        <p:spPr>
+          <a:xfrm>
+            <a:off x="3038047" y="4947110"/>
+            <a:ext cx="5753903" cy="1609950"/>
+          </a:xfrm>
+          <a:prstGeom prst="rect">
+            <a:avLst/>
+          </a:prstGeom>
+        </p:spPr>
+      </p:pic>
+      <p:pic>
+        <p:nvPicPr>
+          <p:cNvPr id="12" name="Picture 11">
+            <a:extLst>
+              <a:ext uri="{FF2B5EF4-FFF2-40B4-BE49-F238E27FC236}">
+                <a16:creationId xmlns:a16="http://schemas.microsoft.com/office/drawing/2014/main" id="{A04ABAC4-69C7-4D0F-9885-B52628593EF3}"/>
+              </a:ext>
+            </a:extLst>
+          </p:cNvPr>
+          <p:cNvPicPr>
+            <a:picLocks noChangeAspect="1"/>
+          </p:cNvPicPr>
+          <p:nvPr/>
+        </p:nvPicPr>
+        <p:blipFill>
+          <a:blip r:embed="rId3"/>
+          <a:stretch>
+            <a:fillRect/>
+          </a:stretch>
+        </p:blipFill>
+        <p:spPr>
+          <a:xfrm>
+            <a:off x="3038047" y="2919538"/>
+            <a:ext cx="6115906" cy="2362531"/>
+          </a:xfrm>
+          <a:prstGeom prst="rect">
+            <a:avLst/>
+          </a:prstGeom>
+        </p:spPr>
+      </p:pic>
+    </p:spTree>
+    <p:extLst>
+      <p:ext uri="{BB962C8B-B14F-4D97-AF65-F5344CB8AC3E}">
+        <p14:creationId xmlns:p14="http://schemas.microsoft.com/office/powerpoint/2010/main" val="1059056754"/>
+      </p:ext>
+    </p:extLst>
+  </p:cSld>
+  <p:clrMapOvr>
+    <a:masterClrMapping/>
+  </p:clrMapOvr>
+</p:sld>
+</file>
+
+<file path=ppt/slides/slide11.xml><?xml version="1.0" encoding="utf-8"?>
+<p:sld xmlns:a="http://schemas.openxmlformats.org/drawingml/2006/main" xmlns:r="http://schemas.openxmlformats.org/officeDocument/2006/relationships" xmlns:p="http://schemas.openxmlformats.org/presentationml/2006/main">
+  <p:cSld>
+    <p:spTree>
+      <p:nvGrpSpPr>
+        <p:cNvPr id="1" name=""/>
+        <p:cNvGrpSpPr/>
+        <p:nvPr/>
+      </p:nvGrpSpPr>
+      <p:grpSpPr>
+        <a:xfrm>
+          <a:off x="0" y="0"/>
+          <a:ext cx="0" cy="0"/>
+          <a:chOff x="0" y="0"/>
+          <a:chExt cx="0" cy="0"/>
+        </a:xfrm>
+      </p:grpSpPr>
+      <p:sp>
+        <p:nvSpPr>
+          <p:cNvPr id="2" name="Title 1">
+            <a:extLst>
+              <a:ext uri="{FF2B5EF4-FFF2-40B4-BE49-F238E27FC236}">
+                <a16:creationId xmlns:a16="http://schemas.microsoft.com/office/drawing/2014/main" id="{1E80137A-CAFB-4D69-92BD-00D8AD4C9BE5}"/>
+              </a:ext>
+            </a:extLst>
+          </p:cNvPr>
+          <p:cNvSpPr>
+            <a:spLocks noGrp="1"/>
+          </p:cNvSpPr>
+          <p:nvPr>
+            <p:ph type="title"/>
+          </p:nvPr>
+        </p:nvSpPr>
+        <p:spPr/>
+        <p:txBody>
+          <a:bodyPr/>
+          <a:lstStyle/>
+          <a:p>
+            <a:r>
+              <a:rPr lang="en-US" dirty="0"/>
+              <a:t>Thermal Calculations</a:t>
+            </a:r>
+          </a:p>
+        </p:txBody>
+      </p:sp>
+      <p:sp>
+        <p:nvSpPr>
+          <p:cNvPr id="6" name="TextBox 5">
+            <a:extLst>
+              <a:ext uri="{FF2B5EF4-FFF2-40B4-BE49-F238E27FC236}">
+                <a16:creationId xmlns:a16="http://schemas.microsoft.com/office/drawing/2014/main" id="{A298DB02-CD95-4233-A9DB-CDD57AA5011F}"/>
+              </a:ext>
+            </a:extLst>
+          </p:cNvPr>
+          <p:cNvSpPr txBox="1"/>
+          <p:nvPr/>
+        </p:nvSpPr>
+        <p:spPr>
+          <a:xfrm>
+            <a:off x="1436914" y="2631233"/>
+            <a:ext cx="1388522" cy="369332"/>
+          </a:xfrm>
+          <a:prstGeom prst="rect">
+            <a:avLst/>
+          </a:prstGeom>
+          <a:noFill/>
+        </p:spPr>
+        <p:txBody>
+          <a:bodyPr wrap="none" rtlCol="0">
+            <a:spAutoFit/>
+          </a:bodyPr>
+          <a:lstStyle/>
+          <a:p>
+            <a:r>
+              <a:rPr lang="en-US" dirty="0"/>
+              <a:t>For the IGBT</a:t>
+            </a:r>
+          </a:p>
+        </p:txBody>
+      </p:sp>
+      <p:pic>
+        <p:nvPicPr>
+          <p:cNvPr id="8" name="Picture 7">
+            <a:extLst>
+              <a:ext uri="{FF2B5EF4-FFF2-40B4-BE49-F238E27FC236}">
+                <a16:creationId xmlns:a16="http://schemas.microsoft.com/office/drawing/2014/main" id="{426AEC65-6BE7-49C2-85B1-8CC6D2341F14}"/>
+              </a:ext>
+            </a:extLst>
+          </p:cNvPr>
+          <p:cNvPicPr>
+            <a:picLocks noChangeAspect="1"/>
+          </p:cNvPicPr>
+          <p:nvPr/>
+        </p:nvPicPr>
+        <p:blipFill>
+          <a:blip r:embed="rId2"/>
+          <a:stretch>
+            <a:fillRect/>
+          </a:stretch>
+        </p:blipFill>
+        <p:spPr>
+          <a:xfrm>
+            <a:off x="2999943" y="3000565"/>
+            <a:ext cx="6192114" cy="2972215"/>
+          </a:xfrm>
+          <a:prstGeom prst="rect">
+            <a:avLst/>
+          </a:prstGeom>
+        </p:spPr>
+      </p:pic>
+    </p:spTree>
+    <p:extLst>
+      <p:ext uri="{BB962C8B-B14F-4D97-AF65-F5344CB8AC3E}">
+        <p14:creationId xmlns:p14="http://schemas.microsoft.com/office/powerpoint/2010/main" val="3785029666"/>
+      </p:ext>
+    </p:extLst>
+  </p:cSld>
+  <p:clrMapOvr>
+    <a:masterClrMapping/>
+  </p:clrMapOvr>
+</p:sld>
+</file>
+
 <file path=ppt/slides/slide2.xml><?xml version="1.0" encoding="utf-8"?>
 <p:sld xmlns:a="http://schemas.openxmlformats.org/drawingml/2006/main" xmlns:r="http://schemas.openxmlformats.org/officeDocument/2006/relationships" xmlns:p="http://schemas.openxmlformats.org/presentationml/2006/main">
   <p:cSld>
@@ -5433,6 +5712,128 @@
     <p:extLst>
       <p:ext uri="{BB962C8B-B14F-4D97-AF65-F5344CB8AC3E}">
         <p14:creationId xmlns:p14="http://schemas.microsoft.com/office/powerpoint/2010/main" val="118129192"/>
+      </p:ext>
+    </p:extLst>
+  </p:cSld>
+  <p:clrMapOvr>
+    <a:masterClrMapping/>
+  </p:clrMapOvr>
+</p:sld>
+</file>
+
+<file path=ppt/slides/slide9.xml><?xml version="1.0" encoding="utf-8"?>
+<p:sld xmlns:a="http://schemas.openxmlformats.org/drawingml/2006/main" xmlns:r="http://schemas.openxmlformats.org/officeDocument/2006/relationships" xmlns:p="http://schemas.openxmlformats.org/presentationml/2006/main">
+  <p:cSld>
+    <p:spTree>
+      <p:nvGrpSpPr>
+        <p:cNvPr id="1" name=""/>
+        <p:cNvGrpSpPr/>
+        <p:nvPr/>
+      </p:nvGrpSpPr>
+      <p:grpSpPr>
+        <a:xfrm>
+          <a:off x="0" y="0"/>
+          <a:ext cx="0" cy="0"/>
+          <a:chOff x="0" y="0"/>
+          <a:chExt cx="0" cy="0"/>
+        </a:xfrm>
+      </p:grpSpPr>
+      <p:sp>
+        <p:nvSpPr>
+          <p:cNvPr id="2" name="Title 1">
+            <a:extLst>
+              <a:ext uri="{FF2B5EF4-FFF2-40B4-BE49-F238E27FC236}">
+                <a16:creationId xmlns:a16="http://schemas.microsoft.com/office/drawing/2014/main" id="{1E80137A-CAFB-4D69-92BD-00D8AD4C9BE5}"/>
+              </a:ext>
+            </a:extLst>
+          </p:cNvPr>
+          <p:cNvSpPr>
+            <a:spLocks noGrp="1"/>
+          </p:cNvSpPr>
+          <p:nvPr>
+            <p:ph type="title"/>
+          </p:nvPr>
+        </p:nvSpPr>
+        <p:spPr/>
+        <p:txBody>
+          <a:bodyPr/>
+          <a:lstStyle/>
+          <a:p>
+            <a:r>
+              <a:rPr lang="en-US" dirty="0"/>
+              <a:t>Thermal Calculations</a:t>
+            </a:r>
+          </a:p>
+        </p:txBody>
+      </p:sp>
+      <p:pic>
+        <p:nvPicPr>
+          <p:cNvPr id="5" name="Content Placeholder 4">
+            <a:extLst>
+              <a:ext uri="{FF2B5EF4-FFF2-40B4-BE49-F238E27FC236}">
+                <a16:creationId xmlns:a16="http://schemas.microsoft.com/office/drawing/2014/main" id="{B6B44911-FE87-4757-BD7E-E62410D7F785}"/>
+              </a:ext>
+            </a:extLst>
+          </p:cNvPr>
+          <p:cNvPicPr>
+            <a:picLocks noGrp="1" noChangeAspect="1"/>
+          </p:cNvPicPr>
+          <p:nvPr>
+            <p:ph idx="1"/>
+          </p:nvPr>
+        </p:nvPicPr>
+        <p:blipFill>
+          <a:blip r:embed="rId2"/>
+          <a:stretch>
+            <a:fillRect/>
+          </a:stretch>
+        </p:blipFill>
+        <p:spPr>
+          <a:xfrm>
+            <a:off x="3333364" y="3429000"/>
+            <a:ext cx="5525271" cy="1181265"/>
+          </a:xfrm>
+        </p:spPr>
+      </p:pic>
+      <p:sp>
+        <p:nvSpPr>
+          <p:cNvPr id="6" name="TextBox 5">
+            <a:extLst>
+              <a:ext uri="{FF2B5EF4-FFF2-40B4-BE49-F238E27FC236}">
+                <a16:creationId xmlns:a16="http://schemas.microsoft.com/office/drawing/2014/main" id="{A298DB02-CD95-4233-A9DB-CDD57AA5011F}"/>
+              </a:ext>
+            </a:extLst>
+          </p:cNvPr>
+          <p:cNvSpPr txBox="1"/>
+          <p:nvPr/>
+        </p:nvSpPr>
+        <p:spPr>
+          <a:xfrm>
+            <a:off x="1436914" y="2631233"/>
+            <a:ext cx="2950103" cy="369332"/>
+          </a:xfrm>
+          <a:prstGeom prst="rect">
+            <a:avLst/>
+          </a:prstGeom>
+          <a:noFill/>
+        </p:spPr>
+        <p:txBody>
+          <a:bodyPr wrap="none" rtlCol="0">
+            <a:spAutoFit/>
+          </a:bodyPr>
+          <a:lstStyle/>
+          <a:p>
+            <a:r>
+              <a:rPr lang="en-US" dirty="0"/>
+              <a:t>For Three-phase rectifier unit</a:t>
+            </a:r>
+          </a:p>
+        </p:txBody>
+      </p:sp>
+    </p:spTree>
+    <p:extLst>
+      <p:ext uri="{BB962C8B-B14F-4D97-AF65-F5344CB8AC3E}">
+        <p14:creationId xmlns:p14="http://schemas.microsoft.com/office/powerpoint/2010/main" val="2298792337"/>
       </p:ext>
     </p:extLst>
   </p:cSld>
